--- a/RWorkshopBonus-TheBleedingEdge.pptx
+++ b/RWorkshopBonus-TheBleedingEdge.pptx
@@ -300,7 +300,7 @@
           <a:p>
             <a:fld id="{87A45035-4ED5-4C49-BA78-F07C992EB6BC}" type="datetimeFigureOut">
               <a:rPr lang="en-US" smtClean="0"/>
-              <a:t>6/19/2017</a:t>
+              <a:t>6/15/18</a:t>
             </a:fld>
             <a:endParaRPr lang="en-US"/>
           </a:p>
@@ -470,7 +470,7 @@
           <a:p>
             <a:fld id="{87A45035-4ED5-4C49-BA78-F07C992EB6BC}" type="datetimeFigureOut">
               <a:rPr lang="en-US" smtClean="0"/>
-              <a:t>6/19/2017</a:t>
+              <a:t>6/15/18</a:t>
             </a:fld>
             <a:endParaRPr lang="en-US"/>
           </a:p>
@@ -650,7 +650,7 @@
           <a:p>
             <a:fld id="{87A45035-4ED5-4C49-BA78-F07C992EB6BC}" type="datetimeFigureOut">
               <a:rPr lang="en-US" smtClean="0"/>
-              <a:t>6/19/2017</a:t>
+              <a:t>6/15/18</a:t>
             </a:fld>
             <a:endParaRPr lang="en-US"/>
           </a:p>
@@ -820,7 +820,7 @@
           <a:p>
             <a:fld id="{87A45035-4ED5-4C49-BA78-F07C992EB6BC}" type="datetimeFigureOut">
               <a:rPr lang="en-US" smtClean="0"/>
-              <a:t>6/19/2017</a:t>
+              <a:t>6/15/18</a:t>
             </a:fld>
             <a:endParaRPr lang="en-US"/>
           </a:p>
@@ -1066,7 +1066,7 @@
           <a:p>
             <a:fld id="{87A45035-4ED5-4C49-BA78-F07C992EB6BC}" type="datetimeFigureOut">
               <a:rPr lang="en-US" smtClean="0"/>
-              <a:t>6/19/2017</a:t>
+              <a:t>6/15/18</a:t>
             </a:fld>
             <a:endParaRPr lang="en-US"/>
           </a:p>
@@ -1354,7 +1354,7 @@
           <a:p>
             <a:fld id="{87A45035-4ED5-4C49-BA78-F07C992EB6BC}" type="datetimeFigureOut">
               <a:rPr lang="en-US" smtClean="0"/>
-              <a:t>6/19/2017</a:t>
+              <a:t>6/15/18</a:t>
             </a:fld>
             <a:endParaRPr lang="en-US"/>
           </a:p>
@@ -1776,7 +1776,7 @@
           <a:p>
             <a:fld id="{87A45035-4ED5-4C49-BA78-F07C992EB6BC}" type="datetimeFigureOut">
               <a:rPr lang="en-US" smtClean="0"/>
-              <a:t>6/19/2017</a:t>
+              <a:t>6/15/18</a:t>
             </a:fld>
             <a:endParaRPr lang="en-US"/>
           </a:p>
@@ -1894,7 +1894,7 @@
           <a:p>
             <a:fld id="{87A45035-4ED5-4C49-BA78-F07C992EB6BC}" type="datetimeFigureOut">
               <a:rPr lang="en-US" smtClean="0"/>
-              <a:t>6/19/2017</a:t>
+              <a:t>6/15/18</a:t>
             </a:fld>
             <a:endParaRPr lang="en-US"/>
           </a:p>
@@ -1989,7 +1989,7 @@
           <a:p>
             <a:fld id="{87A45035-4ED5-4C49-BA78-F07C992EB6BC}" type="datetimeFigureOut">
               <a:rPr lang="en-US" smtClean="0"/>
-              <a:t>6/19/2017</a:t>
+              <a:t>6/15/18</a:t>
             </a:fld>
             <a:endParaRPr lang="en-US"/>
           </a:p>
@@ -2266,7 +2266,7 @@
           <a:p>
             <a:fld id="{87A45035-4ED5-4C49-BA78-F07C992EB6BC}" type="datetimeFigureOut">
               <a:rPr lang="en-US" smtClean="0"/>
-              <a:t>6/19/2017</a:t>
+              <a:t>6/15/18</a:t>
             </a:fld>
             <a:endParaRPr lang="en-US"/>
           </a:p>
@@ -2519,7 +2519,7 @@
           <a:p>
             <a:fld id="{87A45035-4ED5-4C49-BA78-F07C992EB6BC}" type="datetimeFigureOut">
               <a:rPr lang="en-US" smtClean="0"/>
-              <a:t>6/19/2017</a:t>
+              <a:t>6/15/18</a:t>
             </a:fld>
             <a:endParaRPr lang="en-US"/>
           </a:p>
@@ -2732,7 +2732,7 @@
           <a:p>
             <a:fld id="{87A45035-4ED5-4C49-BA78-F07C992EB6BC}" type="datetimeFigureOut">
               <a:rPr lang="en-US" smtClean="0"/>
-              <a:t>6/19/2017</a:t>
+              <a:t>6/15/18</a:t>
             </a:fld>
             <a:endParaRPr lang="en-US"/>
           </a:p>
@@ -3157,12 +3157,26 @@
         </p:nvSpPr>
         <p:spPr/>
         <p:txBody>
-          <a:bodyPr/>
-          <a:lstStyle/>
-          <a:p>
-            <a:r>
-              <a:rPr lang="en-US" dirty="0" smtClean="0"/>
-              <a:t>Spring 2016</a:t>
+          <a:bodyPr>
+            <a:normAutofit fontScale="92500" lnSpcReduction="20000"/>
+          </a:bodyPr>
+          <a:lstStyle/>
+          <a:p>
+            <a:r>
+              <a:rPr lang="en-US" dirty="0"/>
+              <a:t>Steve Mooney</a:t>
+            </a:r>
+          </a:p>
+          <a:p>
+            <a:r>
+              <a:rPr lang="en-US" dirty="0"/>
+              <a:t>Harborview Injury Prevention &amp; Research Center</a:t>
+            </a:r>
+          </a:p>
+          <a:p>
+            <a:r>
+              <a:rPr lang="en-US" dirty="0"/>
+              <a:t>SER 2018</a:t>
             </a:r>
             <a:endParaRPr lang="en-US" dirty="0"/>
           </a:p>
@@ -3181,7 +3195,7 @@
   <p:timing>
     <p:tnLst>
       <p:par>
-        <p:cTn id="1" dur="indefinite" restart="never" nodeType="tmRoot"/>
+        <p:cTn xmlns:p14="http://schemas.microsoft.com/office/powerpoint/2010/main" id="1" dur="indefinite" restart="never" nodeType="tmRoot"/>
       </p:par>
     </p:tnLst>
   </p:timing>
@@ -3463,7 +3477,7 @@
   <p:timing>
     <p:tnLst>
       <p:par>
-        <p:cTn id="1" dur="indefinite" restart="never" nodeType="tmRoot"/>
+        <p:cTn xmlns:p14="http://schemas.microsoft.com/office/powerpoint/2010/main" id="1" dur="indefinite" restart="never" nodeType="tmRoot"/>
       </p:par>
     </p:tnLst>
   </p:timing>
@@ -3580,7 +3594,7 @@
   <p:timing>
     <p:tnLst>
       <p:par>
-        <p:cTn id="1" dur="indefinite" restart="never" nodeType="tmRoot"/>
+        <p:cTn xmlns:p14="http://schemas.microsoft.com/office/powerpoint/2010/main" id="1" dur="indefinite" restart="never" nodeType="tmRoot"/>
       </p:par>
     </p:tnLst>
   </p:timing>
@@ -3989,14 +4003,14 @@
             <a:noFill/>
           </a:ln>
           <a:extLst>
-            <a:ext uri="{909E8E84-426E-40DD-AFC4-6F175D3DCCD1}">
+            <a:ext uri="{909E8E84-426E-40dd-AFC4-6F175D3DCCD1}">
               <a14:hiddenFill xmlns:a14="http://schemas.microsoft.com/office/drawing/2010/main">
                 <a:solidFill>
                   <a:schemeClr val="accent1"/>
                 </a:solidFill>
               </a14:hiddenFill>
             </a:ext>
-            <a:ext uri="{91240B29-F687-4F45-9708-019B960494DF}">
+            <a:ext uri="{91240B29-F687-4f45-9708-019B960494DF}">
               <a14:hiddenLine xmlns:a14="http://schemas.microsoft.com/office/drawing/2010/main" w="9525">
                 <a:solidFill>
                   <a:schemeClr val="tx1"/>
@@ -4114,7 +4128,7 @@
   <p:timing>
     <p:tnLst>
       <p:par>
-        <p:cTn id="1" dur="indefinite" restart="never" nodeType="tmRoot"/>
+        <p:cTn xmlns:p14="http://schemas.microsoft.com/office/powerpoint/2010/main" id="1" dur="indefinite" restart="never" nodeType="tmRoot"/>
       </p:par>
     </p:tnLst>
   </p:timing>
@@ -4197,14 +4211,14 @@
             <a:noFill/>
           </a:ln>
           <a:extLst>
-            <a:ext uri="{909E8E84-426E-40DD-AFC4-6F175D3DCCD1}">
+            <a:ext uri="{909E8E84-426E-40dd-AFC4-6F175D3DCCD1}">
               <a14:hiddenFill xmlns:a14="http://schemas.microsoft.com/office/drawing/2010/main">
                 <a:solidFill>
                   <a:schemeClr val="accent1"/>
                 </a:solidFill>
               </a14:hiddenFill>
             </a:ext>
-            <a:ext uri="{91240B29-F687-4F45-9708-019B960494DF}">
+            <a:ext uri="{91240B29-F687-4f45-9708-019B960494DF}">
               <a14:hiddenLine xmlns:a14="http://schemas.microsoft.com/office/drawing/2010/main" w="9525">
                 <a:solidFill>
                   <a:schemeClr val="tx1"/>
@@ -4230,7 +4244,7 @@
   <p:timing>
     <p:tnLst>
       <p:par>
-        <p:cTn id="1" dur="indefinite" restart="never" nodeType="tmRoot"/>
+        <p:cTn xmlns:p14="http://schemas.microsoft.com/office/powerpoint/2010/main" id="1" dur="indefinite" restart="never" nodeType="tmRoot"/>
       </p:par>
     </p:tnLst>
   </p:timing>
@@ -4480,7 +4494,7 @@
   <p:timing>
     <p:tnLst>
       <p:par>
-        <p:cTn id="1" dur="indefinite" restart="never" nodeType="tmRoot"/>
+        <p:cTn xmlns:p14="http://schemas.microsoft.com/office/powerpoint/2010/main" id="1" dur="indefinite" restart="never" nodeType="tmRoot"/>
       </p:par>
     </p:tnLst>
   </p:timing>
@@ -4622,7 +4636,7 @@
   <p:timing>
     <p:tnLst>
       <p:par>
-        <p:cTn id="1" dur="indefinite" restart="never" nodeType="tmRoot"/>
+        <p:cTn xmlns:p14="http://schemas.microsoft.com/office/powerpoint/2010/main" id="1" dur="indefinite" restart="never" nodeType="tmRoot"/>
       </p:par>
     </p:tnLst>
   </p:timing>
@@ -4852,7 +4866,7 @@
   <p:timing>
     <p:tnLst>
       <p:par>
-        <p:cTn id="1" dur="indefinite" restart="never" nodeType="tmRoot"/>
+        <p:cTn xmlns:p14="http://schemas.microsoft.com/office/powerpoint/2010/main" id="1" dur="indefinite" restart="never" nodeType="tmRoot"/>
       </p:par>
     </p:tnLst>
   </p:timing>
@@ -4976,7 +4990,7 @@
   <p:timing>
     <p:tnLst>
       <p:par>
-        <p:cTn id="1" dur="indefinite" restart="never" nodeType="tmRoot"/>
+        <p:cTn xmlns:p14="http://schemas.microsoft.com/office/powerpoint/2010/main" id="1" dur="indefinite" restart="never" nodeType="tmRoot"/>
       </p:par>
     </p:tnLst>
   </p:timing>
@@ -5087,7 +5101,7 @@
           </a:prstGeom>
           <a:noFill/>
           <a:extLst>
-            <a:ext uri="{909E8E84-426E-40DD-AFC4-6F175D3DCCD1}">
+            <a:ext uri="{909E8E84-426E-40dd-AFC4-6F175D3DCCD1}">
               <a14:hiddenFill xmlns:a14="http://schemas.microsoft.com/office/drawing/2010/main">
                 <a:solidFill>
                   <a:srgbClr val="FFFFFF"/>
@@ -5215,14 +5229,14 @@
           </a:ln>
           <a:effectLst/>
           <a:extLst>
-            <a:ext uri="{909E8E84-426E-40DD-AFC4-6F175D3DCCD1}">
+            <a:ext uri="{909E8E84-426E-40dd-AFC4-6F175D3DCCD1}">
               <a14:hiddenFill xmlns:a14="http://schemas.microsoft.com/office/drawing/2010/main">
                 <a:solidFill>
                   <a:schemeClr val="accent1"/>
                 </a:solidFill>
               </a14:hiddenFill>
             </a:ext>
-            <a:ext uri="{91240B29-F687-4F45-9708-019B960494DF}">
+            <a:ext uri="{91240B29-F687-4f45-9708-019B960494DF}">
               <a14:hiddenLine xmlns:a14="http://schemas.microsoft.com/office/drawing/2010/main" w="9525">
                 <a:solidFill>
                   <a:schemeClr val="tx1"/>
@@ -5232,7 +5246,7 @@
                 <a:tailEnd/>
               </a14:hiddenLine>
             </a:ext>
-            <a:ext uri="{AF507438-7753-43E0-B8FC-AC1667EBCBE1}">
+            <a:ext uri="{AF507438-7753-43e0-B8FC-AC1667EBCBE1}">
               <a14:hiddenEffects xmlns:a14="http://schemas.microsoft.com/office/drawing/2010/main">
                 <a:effectLst>
                   <a:outerShdw dist="35921" dir="2700000" algn="ctr" rotWithShape="0">

--- a/RWorkshopBonus-TheBleedingEdge.pptx
+++ b/RWorkshopBonus-TheBleedingEdge.pptx
@@ -4,6 +4,12 @@
   <p:sldMasterIdLst>
     <p:sldMasterId id="2147483648" r:id="rId1"/>
   </p:sldMasterIdLst>
+  <p:notesMasterIdLst>
+    <p:notesMasterId r:id="rId15"/>
+  </p:notesMasterIdLst>
+  <p:handoutMasterIdLst>
+    <p:handoutMasterId r:id="rId16"/>
+  </p:handoutMasterIdLst>
   <p:sldIdLst>
     <p:sldId id="256" r:id="rId2"/>
     <p:sldId id="258" r:id="rId3"/>
@@ -119,6 +125,523 @@
 </p:presentation>
 </file>
 
+<file path=ppt/handoutMasters/handoutMaster1.xml><?xml version="1.0" encoding="utf-8"?>
+<p:handoutMaster xmlns:a="http://schemas.openxmlformats.org/drawingml/2006/main" xmlns:r="http://schemas.openxmlformats.org/officeDocument/2006/relationships" xmlns:p="http://schemas.openxmlformats.org/presentationml/2006/main">
+  <p:cSld>
+    <p:bg>
+      <p:bgRef idx="1001">
+        <a:schemeClr val="bg1"/>
+      </p:bgRef>
+    </p:bg>
+    <p:spTree>
+      <p:nvGrpSpPr>
+        <p:cNvPr id="1" name=""/>
+        <p:cNvGrpSpPr/>
+        <p:nvPr/>
+      </p:nvGrpSpPr>
+      <p:grpSpPr>
+        <a:xfrm>
+          <a:off x="0" y="0"/>
+          <a:ext cx="0" cy="0"/>
+          <a:chOff x="0" y="0"/>
+          <a:chExt cx="0" cy="0"/>
+        </a:xfrm>
+      </p:grpSpPr>
+      <p:sp>
+        <p:nvSpPr>
+          <p:cNvPr id="2" name="Header Placeholder 1"/>
+          <p:cNvSpPr>
+            <a:spLocks noGrp="1"/>
+          </p:cNvSpPr>
+          <p:nvPr>
+            <p:ph type="hdr" sz="quarter"/>
+          </p:nvPr>
+        </p:nvSpPr>
+        <p:spPr>
+          <a:xfrm>
+            <a:off x="0" y="0"/>
+            <a:ext cx="2971800" cy="457200"/>
+          </a:xfrm>
+          <a:prstGeom prst="rect">
+            <a:avLst/>
+          </a:prstGeom>
+        </p:spPr>
+        <p:txBody>
+          <a:bodyPr vert="horz" lIns="91440" tIns="45720" rIns="91440" bIns="45720" rtlCol="0"/>
+          <a:lstStyle>
+            <a:lvl1pPr algn="l">
+              <a:defRPr sz="1200"/>
+            </a:lvl1pPr>
+          </a:lstStyle>
+          <a:p>
+            <a:endParaRPr lang="en-US"/>
+          </a:p>
+        </p:txBody>
+      </p:sp>
+      <p:sp>
+        <p:nvSpPr>
+          <p:cNvPr id="3" name="Date Placeholder 2"/>
+          <p:cNvSpPr>
+            <a:spLocks noGrp="1"/>
+          </p:cNvSpPr>
+          <p:nvPr>
+            <p:ph type="dt" sz="quarter" idx="1"/>
+          </p:nvPr>
+        </p:nvSpPr>
+        <p:spPr>
+          <a:xfrm>
+            <a:off x="3884613" y="0"/>
+            <a:ext cx="2971800" cy="457200"/>
+          </a:xfrm>
+          <a:prstGeom prst="rect">
+            <a:avLst/>
+          </a:prstGeom>
+        </p:spPr>
+        <p:txBody>
+          <a:bodyPr vert="horz" lIns="91440" tIns="45720" rIns="91440" bIns="45720" rtlCol="0"/>
+          <a:lstStyle>
+            <a:lvl1pPr algn="r">
+              <a:defRPr sz="1200"/>
+            </a:lvl1pPr>
+          </a:lstStyle>
+          <a:p>
+            <a:fld id="{B19CE214-9AFB-E740-B16B-18F53A0781A3}" type="datetimeFigureOut">
+              <a:rPr lang="en-US" smtClean="0"/>
+              <a:t>6/15/18</a:t>
+            </a:fld>
+            <a:endParaRPr lang="en-US"/>
+          </a:p>
+        </p:txBody>
+      </p:sp>
+      <p:sp>
+        <p:nvSpPr>
+          <p:cNvPr id="4" name="Footer Placeholder 3"/>
+          <p:cNvSpPr>
+            <a:spLocks noGrp="1"/>
+          </p:cNvSpPr>
+          <p:nvPr>
+            <p:ph type="ftr" sz="quarter" idx="2"/>
+          </p:nvPr>
+        </p:nvSpPr>
+        <p:spPr>
+          <a:xfrm>
+            <a:off x="0" y="8685213"/>
+            <a:ext cx="2971800" cy="457200"/>
+          </a:xfrm>
+          <a:prstGeom prst="rect">
+            <a:avLst/>
+          </a:prstGeom>
+        </p:spPr>
+        <p:txBody>
+          <a:bodyPr vert="horz" lIns="91440" tIns="45720" rIns="91440" bIns="45720" rtlCol="0" anchor="b"/>
+          <a:lstStyle>
+            <a:lvl1pPr algn="l">
+              <a:defRPr sz="1200"/>
+            </a:lvl1pPr>
+          </a:lstStyle>
+          <a:p>
+            <a:endParaRPr lang="en-US"/>
+          </a:p>
+        </p:txBody>
+      </p:sp>
+      <p:sp>
+        <p:nvSpPr>
+          <p:cNvPr id="5" name="Slide Number Placeholder 4"/>
+          <p:cNvSpPr>
+            <a:spLocks noGrp="1"/>
+          </p:cNvSpPr>
+          <p:nvPr>
+            <p:ph type="sldNum" sz="quarter" idx="3"/>
+          </p:nvPr>
+        </p:nvSpPr>
+        <p:spPr>
+          <a:xfrm>
+            <a:off x="3884613" y="8685213"/>
+            <a:ext cx="2971800" cy="457200"/>
+          </a:xfrm>
+          <a:prstGeom prst="rect">
+            <a:avLst/>
+          </a:prstGeom>
+        </p:spPr>
+        <p:txBody>
+          <a:bodyPr vert="horz" lIns="91440" tIns="45720" rIns="91440" bIns="45720" rtlCol="0" anchor="b"/>
+          <a:lstStyle>
+            <a:lvl1pPr algn="r">
+              <a:defRPr sz="1200"/>
+            </a:lvl1pPr>
+          </a:lstStyle>
+          <a:p>
+            <a:fld id="{E5740D53-1D1A-BC45-BC1D-F8EE49FB12AD}" type="slidenum">
+              <a:rPr lang="en-US" smtClean="0"/>
+              <a:t>‹#›</a:t>
+            </a:fld>
+            <a:endParaRPr lang="en-US"/>
+          </a:p>
+        </p:txBody>
+      </p:sp>
+    </p:spTree>
+    <p:extLst>
+      <p:ext uri="{BB962C8B-B14F-4D97-AF65-F5344CB8AC3E}">
+        <p14:creationId xmlns:p14="http://schemas.microsoft.com/office/powerpoint/2010/main" val="492431666"/>
+      </p:ext>
+    </p:extLst>
+  </p:cSld>
+  <p:clrMap bg1="lt1" tx1="dk1" bg2="lt2" tx2="dk2" accent1="accent1" accent2="accent2" accent3="accent3" accent4="accent4" accent5="accent5" accent6="accent6" hlink="hlink" folHlink="folHlink"/>
+  <p:hf hdr="0" ftr="0" dt="0"/>
+</p:handoutMaster>
+</file>
+
+<file path=ppt/notesMasters/notesMaster1.xml><?xml version="1.0" encoding="utf-8"?>
+<p:notesMaster xmlns:a="http://schemas.openxmlformats.org/drawingml/2006/main" xmlns:r="http://schemas.openxmlformats.org/officeDocument/2006/relationships" xmlns:p="http://schemas.openxmlformats.org/presentationml/2006/main">
+  <p:cSld>
+    <p:bg>
+      <p:bgRef idx="1001">
+        <a:schemeClr val="bg1"/>
+      </p:bgRef>
+    </p:bg>
+    <p:spTree>
+      <p:nvGrpSpPr>
+        <p:cNvPr id="1" name=""/>
+        <p:cNvGrpSpPr/>
+        <p:nvPr/>
+      </p:nvGrpSpPr>
+      <p:grpSpPr>
+        <a:xfrm>
+          <a:off x="0" y="0"/>
+          <a:ext cx="0" cy="0"/>
+          <a:chOff x="0" y="0"/>
+          <a:chExt cx="0" cy="0"/>
+        </a:xfrm>
+      </p:grpSpPr>
+      <p:sp>
+        <p:nvSpPr>
+          <p:cNvPr id="2" name="Header Placeholder 1"/>
+          <p:cNvSpPr>
+            <a:spLocks noGrp="1"/>
+          </p:cNvSpPr>
+          <p:nvPr>
+            <p:ph type="hdr" sz="quarter"/>
+          </p:nvPr>
+        </p:nvSpPr>
+        <p:spPr>
+          <a:xfrm>
+            <a:off x="0" y="0"/>
+            <a:ext cx="2971800" cy="457200"/>
+          </a:xfrm>
+          <a:prstGeom prst="rect">
+            <a:avLst/>
+          </a:prstGeom>
+        </p:spPr>
+        <p:txBody>
+          <a:bodyPr vert="horz" lIns="91440" tIns="45720" rIns="91440" bIns="45720" rtlCol="0"/>
+          <a:lstStyle>
+            <a:lvl1pPr algn="l">
+              <a:defRPr sz="1200"/>
+            </a:lvl1pPr>
+          </a:lstStyle>
+          <a:p>
+            <a:endParaRPr lang="en-US"/>
+          </a:p>
+        </p:txBody>
+      </p:sp>
+      <p:sp>
+        <p:nvSpPr>
+          <p:cNvPr id="3" name="Date Placeholder 2"/>
+          <p:cNvSpPr>
+            <a:spLocks noGrp="1"/>
+          </p:cNvSpPr>
+          <p:nvPr>
+            <p:ph type="dt" idx="1"/>
+          </p:nvPr>
+        </p:nvSpPr>
+        <p:spPr>
+          <a:xfrm>
+            <a:off x="3884613" y="0"/>
+            <a:ext cx="2971800" cy="457200"/>
+          </a:xfrm>
+          <a:prstGeom prst="rect">
+            <a:avLst/>
+          </a:prstGeom>
+        </p:spPr>
+        <p:txBody>
+          <a:bodyPr vert="horz" lIns="91440" tIns="45720" rIns="91440" bIns="45720" rtlCol="0"/>
+          <a:lstStyle>
+            <a:lvl1pPr algn="r">
+              <a:defRPr sz="1200"/>
+            </a:lvl1pPr>
+          </a:lstStyle>
+          <a:p>
+            <a:fld id="{D876641D-80A4-7C42-9937-913BB839A9FB}" type="datetimeFigureOut">
+              <a:rPr lang="en-US" smtClean="0"/>
+              <a:t>6/15/18</a:t>
+            </a:fld>
+            <a:endParaRPr lang="en-US"/>
+          </a:p>
+        </p:txBody>
+      </p:sp>
+      <p:sp>
+        <p:nvSpPr>
+          <p:cNvPr id="4" name="Slide Image Placeholder 3"/>
+          <p:cNvSpPr>
+            <a:spLocks noGrp="1" noRot="1" noChangeAspect="1"/>
+          </p:cNvSpPr>
+          <p:nvPr>
+            <p:ph type="sldImg" idx="2"/>
+          </p:nvPr>
+        </p:nvSpPr>
+        <p:spPr>
+          <a:xfrm>
+            <a:off x="1143000" y="685800"/>
+            <a:ext cx="4572000" cy="3429000"/>
+          </a:xfrm>
+          <a:prstGeom prst="rect">
+            <a:avLst/>
+          </a:prstGeom>
+          <a:noFill/>
+          <a:ln w="12700">
+            <a:solidFill>
+              <a:prstClr val="black"/>
+            </a:solidFill>
+          </a:ln>
+        </p:spPr>
+        <p:txBody>
+          <a:bodyPr vert="horz" lIns="91440" tIns="45720" rIns="91440" bIns="45720" rtlCol="0" anchor="ctr"/>
+          <a:lstStyle/>
+          <a:p>
+            <a:endParaRPr lang="en-US"/>
+          </a:p>
+        </p:txBody>
+      </p:sp>
+      <p:sp>
+        <p:nvSpPr>
+          <p:cNvPr id="5" name="Notes Placeholder 4"/>
+          <p:cNvSpPr>
+            <a:spLocks noGrp="1"/>
+          </p:cNvSpPr>
+          <p:nvPr>
+            <p:ph type="body" sz="quarter" idx="3"/>
+          </p:nvPr>
+        </p:nvSpPr>
+        <p:spPr>
+          <a:xfrm>
+            <a:off x="685800" y="4343400"/>
+            <a:ext cx="5486400" cy="4114800"/>
+          </a:xfrm>
+          <a:prstGeom prst="rect">
+            <a:avLst/>
+          </a:prstGeom>
+        </p:spPr>
+        <p:txBody>
+          <a:bodyPr vert="horz" lIns="91440" tIns="45720" rIns="91440" bIns="45720" rtlCol="0"/>
+          <a:lstStyle/>
+          <a:p>
+            <a:pPr lvl="0"/>
+            <a:r>
+              <a:rPr lang="en-US" smtClean="0"/>
+              <a:t>Click to edit Master text styles</a:t>
+            </a:r>
+          </a:p>
+          <a:p>
+            <a:pPr lvl="1"/>
+            <a:r>
+              <a:rPr lang="en-US" smtClean="0"/>
+              <a:t>Second level</a:t>
+            </a:r>
+          </a:p>
+          <a:p>
+            <a:pPr lvl="2"/>
+            <a:r>
+              <a:rPr lang="en-US" smtClean="0"/>
+              <a:t>Third level</a:t>
+            </a:r>
+          </a:p>
+          <a:p>
+            <a:pPr lvl="3"/>
+            <a:r>
+              <a:rPr lang="en-US" smtClean="0"/>
+              <a:t>Fourth level</a:t>
+            </a:r>
+          </a:p>
+          <a:p>
+            <a:pPr lvl="4"/>
+            <a:r>
+              <a:rPr lang="en-US" smtClean="0"/>
+              <a:t>Fifth level</a:t>
+            </a:r>
+            <a:endParaRPr lang="en-US"/>
+          </a:p>
+        </p:txBody>
+      </p:sp>
+      <p:sp>
+        <p:nvSpPr>
+          <p:cNvPr id="6" name="Footer Placeholder 5"/>
+          <p:cNvSpPr>
+            <a:spLocks noGrp="1"/>
+          </p:cNvSpPr>
+          <p:nvPr>
+            <p:ph type="ftr" sz="quarter" idx="4"/>
+          </p:nvPr>
+        </p:nvSpPr>
+        <p:spPr>
+          <a:xfrm>
+            <a:off x="0" y="8685213"/>
+            <a:ext cx="2971800" cy="457200"/>
+          </a:xfrm>
+          <a:prstGeom prst="rect">
+            <a:avLst/>
+          </a:prstGeom>
+        </p:spPr>
+        <p:txBody>
+          <a:bodyPr vert="horz" lIns="91440" tIns="45720" rIns="91440" bIns="45720" rtlCol="0" anchor="b"/>
+          <a:lstStyle>
+            <a:lvl1pPr algn="l">
+              <a:defRPr sz="1200"/>
+            </a:lvl1pPr>
+          </a:lstStyle>
+          <a:p>
+            <a:endParaRPr lang="en-US"/>
+          </a:p>
+        </p:txBody>
+      </p:sp>
+      <p:sp>
+        <p:nvSpPr>
+          <p:cNvPr id="7" name="Slide Number Placeholder 6"/>
+          <p:cNvSpPr>
+            <a:spLocks noGrp="1"/>
+          </p:cNvSpPr>
+          <p:nvPr>
+            <p:ph type="sldNum" sz="quarter" idx="5"/>
+          </p:nvPr>
+        </p:nvSpPr>
+        <p:spPr>
+          <a:xfrm>
+            <a:off x="3884613" y="8685213"/>
+            <a:ext cx="2971800" cy="457200"/>
+          </a:xfrm>
+          <a:prstGeom prst="rect">
+            <a:avLst/>
+          </a:prstGeom>
+        </p:spPr>
+        <p:txBody>
+          <a:bodyPr vert="horz" lIns="91440" tIns="45720" rIns="91440" bIns="45720" rtlCol="0" anchor="b"/>
+          <a:lstStyle>
+            <a:lvl1pPr algn="r">
+              <a:defRPr sz="1200"/>
+            </a:lvl1pPr>
+          </a:lstStyle>
+          <a:p>
+            <a:fld id="{3B47E384-3147-FA40-B122-326363C5F210}" type="slidenum">
+              <a:rPr lang="en-US" smtClean="0"/>
+              <a:t>‹#›</a:t>
+            </a:fld>
+            <a:endParaRPr lang="en-US"/>
+          </a:p>
+        </p:txBody>
+      </p:sp>
+    </p:spTree>
+    <p:extLst>
+      <p:ext uri="{BB962C8B-B14F-4D97-AF65-F5344CB8AC3E}">
+        <p14:creationId xmlns:p14="http://schemas.microsoft.com/office/powerpoint/2010/main" val="1848569903"/>
+      </p:ext>
+    </p:extLst>
+  </p:cSld>
+  <p:clrMap bg1="lt1" tx1="dk1" bg2="lt2" tx2="dk2" accent1="accent1" accent2="accent2" accent3="accent3" accent4="accent4" accent5="accent5" accent6="accent6" hlink="hlink" folHlink="folHlink"/>
+  <p:hf hdr="0" ftr="0" dt="0"/>
+  <p:notesStyle>
+    <a:lvl1pPr marL="0" algn="l" defTabSz="457200" rtl="0" eaLnBrk="1" latinLnBrk="0" hangingPunct="1">
+      <a:defRPr sz="1200" kern="1200">
+        <a:solidFill>
+          <a:schemeClr val="tx1"/>
+        </a:solidFill>
+        <a:latin typeface="+mn-lt"/>
+        <a:ea typeface="+mn-ea"/>
+        <a:cs typeface="+mn-cs"/>
+      </a:defRPr>
+    </a:lvl1pPr>
+    <a:lvl2pPr marL="457200" algn="l" defTabSz="457200" rtl="0" eaLnBrk="1" latinLnBrk="0" hangingPunct="1">
+      <a:defRPr sz="1200" kern="1200">
+        <a:solidFill>
+          <a:schemeClr val="tx1"/>
+        </a:solidFill>
+        <a:latin typeface="+mn-lt"/>
+        <a:ea typeface="+mn-ea"/>
+        <a:cs typeface="+mn-cs"/>
+      </a:defRPr>
+    </a:lvl2pPr>
+    <a:lvl3pPr marL="914400" algn="l" defTabSz="457200" rtl="0" eaLnBrk="1" latinLnBrk="0" hangingPunct="1">
+      <a:defRPr sz="1200" kern="1200">
+        <a:solidFill>
+          <a:schemeClr val="tx1"/>
+        </a:solidFill>
+        <a:latin typeface="+mn-lt"/>
+        <a:ea typeface="+mn-ea"/>
+        <a:cs typeface="+mn-cs"/>
+      </a:defRPr>
+    </a:lvl3pPr>
+    <a:lvl4pPr marL="1371600" algn="l" defTabSz="457200" rtl="0" eaLnBrk="1" latinLnBrk="0" hangingPunct="1">
+      <a:defRPr sz="1200" kern="1200">
+        <a:solidFill>
+          <a:schemeClr val="tx1"/>
+        </a:solidFill>
+        <a:latin typeface="+mn-lt"/>
+        <a:ea typeface="+mn-ea"/>
+        <a:cs typeface="+mn-cs"/>
+      </a:defRPr>
+    </a:lvl4pPr>
+    <a:lvl5pPr marL="1828800" algn="l" defTabSz="457200" rtl="0" eaLnBrk="1" latinLnBrk="0" hangingPunct="1">
+      <a:defRPr sz="1200" kern="1200">
+        <a:solidFill>
+          <a:schemeClr val="tx1"/>
+        </a:solidFill>
+        <a:latin typeface="+mn-lt"/>
+        <a:ea typeface="+mn-ea"/>
+        <a:cs typeface="+mn-cs"/>
+      </a:defRPr>
+    </a:lvl5pPr>
+    <a:lvl6pPr marL="2286000" algn="l" defTabSz="457200" rtl="0" eaLnBrk="1" latinLnBrk="0" hangingPunct="1">
+      <a:defRPr sz="1200" kern="1200">
+        <a:solidFill>
+          <a:schemeClr val="tx1"/>
+        </a:solidFill>
+        <a:latin typeface="+mn-lt"/>
+        <a:ea typeface="+mn-ea"/>
+        <a:cs typeface="+mn-cs"/>
+      </a:defRPr>
+    </a:lvl6pPr>
+    <a:lvl7pPr marL="2743200" algn="l" defTabSz="457200" rtl="0" eaLnBrk="1" latinLnBrk="0" hangingPunct="1">
+      <a:defRPr sz="1200" kern="1200">
+        <a:solidFill>
+          <a:schemeClr val="tx1"/>
+        </a:solidFill>
+        <a:latin typeface="+mn-lt"/>
+        <a:ea typeface="+mn-ea"/>
+        <a:cs typeface="+mn-cs"/>
+      </a:defRPr>
+    </a:lvl7pPr>
+    <a:lvl8pPr marL="3200400" algn="l" defTabSz="457200" rtl="0" eaLnBrk="1" latinLnBrk="0" hangingPunct="1">
+      <a:defRPr sz="1200" kern="1200">
+        <a:solidFill>
+          <a:schemeClr val="tx1"/>
+        </a:solidFill>
+        <a:latin typeface="+mn-lt"/>
+        <a:ea typeface="+mn-ea"/>
+        <a:cs typeface="+mn-cs"/>
+      </a:defRPr>
+    </a:lvl8pPr>
+    <a:lvl9pPr marL="3657600" algn="l" defTabSz="457200" rtl="0" eaLnBrk="1" latinLnBrk="0" hangingPunct="1">
+      <a:defRPr sz="1200" kern="1200">
+        <a:solidFill>
+          <a:schemeClr val="tx1"/>
+        </a:solidFill>
+        <a:latin typeface="+mn-lt"/>
+        <a:ea typeface="+mn-ea"/>
+        <a:cs typeface="+mn-cs"/>
+      </a:defRPr>
+    </a:lvl9pPr>
+  </p:notesStyle>
+</p:notesMaster>
+</file>
+
 <file path=ppt/slideLayouts/slideLayout1.xml><?xml version="1.0" encoding="utf-8"?>
 <p:sldLayout xmlns:a="http://schemas.openxmlformats.org/drawingml/2006/main" xmlns:r="http://schemas.openxmlformats.org/officeDocument/2006/relationships" xmlns:p="http://schemas.openxmlformats.org/presentationml/2006/main" type="title" preserve="1">
   <p:cSld name="Title Slide">
@@ -298,7 +821,7 @@
           <a:bodyPr/>
           <a:lstStyle/>
           <a:p>
-            <a:fld id="{87A45035-4ED5-4C49-BA78-F07C992EB6BC}" type="datetimeFigureOut">
+            <a:fld id="{4B081724-3C24-F745-B456-03E0C4FEDED5}" type="datetime1">
               <a:rPr lang="en-US" smtClean="0"/>
               <a:t>6/15/18</a:t>
             </a:fld>
@@ -468,7 +991,7 @@
           <a:bodyPr/>
           <a:lstStyle/>
           <a:p>
-            <a:fld id="{87A45035-4ED5-4C49-BA78-F07C992EB6BC}" type="datetimeFigureOut">
+            <a:fld id="{556CE742-7119-ED44-9927-E2B27E776D63}" type="datetime1">
               <a:rPr lang="en-US" smtClean="0"/>
               <a:t>6/15/18</a:t>
             </a:fld>
@@ -648,7 +1171,7 @@
           <a:bodyPr/>
           <a:lstStyle/>
           <a:p>
-            <a:fld id="{87A45035-4ED5-4C49-BA78-F07C992EB6BC}" type="datetimeFigureOut">
+            <a:fld id="{C27AD952-1060-9F43-9AD4-AF3A4D5F503C}" type="datetime1">
               <a:rPr lang="en-US" smtClean="0"/>
               <a:t>6/15/18</a:t>
             </a:fld>
@@ -818,7 +1341,7 @@
           <a:bodyPr/>
           <a:lstStyle/>
           <a:p>
-            <a:fld id="{87A45035-4ED5-4C49-BA78-F07C992EB6BC}" type="datetimeFigureOut">
+            <a:fld id="{5B6BABAF-6EA5-AD47-906B-8EA3CC7D0523}" type="datetime1">
               <a:rPr lang="en-US" smtClean="0"/>
               <a:t>6/15/18</a:t>
             </a:fld>
@@ -1064,7 +1587,7 @@
           <a:bodyPr/>
           <a:lstStyle/>
           <a:p>
-            <a:fld id="{87A45035-4ED5-4C49-BA78-F07C992EB6BC}" type="datetimeFigureOut">
+            <a:fld id="{B8A7B011-D10F-8F42-828B-CF3653CADB88}" type="datetime1">
               <a:rPr lang="en-US" smtClean="0"/>
               <a:t>6/15/18</a:t>
             </a:fld>
@@ -1352,7 +1875,7 @@
           <a:bodyPr/>
           <a:lstStyle/>
           <a:p>
-            <a:fld id="{87A45035-4ED5-4C49-BA78-F07C992EB6BC}" type="datetimeFigureOut">
+            <a:fld id="{A6C378EC-3739-3D40-943A-9620F09EFE1F}" type="datetime1">
               <a:rPr lang="en-US" smtClean="0"/>
               <a:t>6/15/18</a:t>
             </a:fld>
@@ -1774,7 +2297,7 @@
           <a:bodyPr/>
           <a:lstStyle/>
           <a:p>
-            <a:fld id="{87A45035-4ED5-4C49-BA78-F07C992EB6BC}" type="datetimeFigureOut">
+            <a:fld id="{9EFDF5C0-6386-834F-BA2A-0849AD8C2326}" type="datetime1">
               <a:rPr lang="en-US" smtClean="0"/>
               <a:t>6/15/18</a:t>
             </a:fld>
@@ -1892,7 +2415,7 @@
           <a:bodyPr/>
           <a:lstStyle/>
           <a:p>
-            <a:fld id="{87A45035-4ED5-4C49-BA78-F07C992EB6BC}" type="datetimeFigureOut">
+            <a:fld id="{0F22D1C8-A1B0-864E-9F00-2B03DF3D0AD4}" type="datetime1">
               <a:rPr lang="en-US" smtClean="0"/>
               <a:t>6/15/18</a:t>
             </a:fld>
@@ -1987,7 +2510,7 @@
           <a:bodyPr/>
           <a:lstStyle/>
           <a:p>
-            <a:fld id="{87A45035-4ED5-4C49-BA78-F07C992EB6BC}" type="datetimeFigureOut">
+            <a:fld id="{D09EF098-2E23-F842-BAAC-53378847314C}" type="datetime1">
               <a:rPr lang="en-US" smtClean="0"/>
               <a:t>6/15/18</a:t>
             </a:fld>
@@ -2264,7 +2787,7 @@
           <a:bodyPr/>
           <a:lstStyle/>
           <a:p>
-            <a:fld id="{87A45035-4ED5-4C49-BA78-F07C992EB6BC}" type="datetimeFigureOut">
+            <a:fld id="{E1ED9CEE-D6FC-FB4D-A831-6BB2715BC0B6}" type="datetime1">
               <a:rPr lang="en-US" smtClean="0"/>
               <a:t>6/15/18</a:t>
             </a:fld>
@@ -2517,7 +3040,7 @@
           <a:bodyPr/>
           <a:lstStyle/>
           <a:p>
-            <a:fld id="{87A45035-4ED5-4C49-BA78-F07C992EB6BC}" type="datetimeFigureOut">
+            <a:fld id="{05DF4DDA-09E1-124B-B855-AE1CB6B864B3}" type="datetime1">
               <a:rPr lang="en-US" smtClean="0"/>
               <a:t>6/15/18</a:t>
             </a:fld>
@@ -2730,7 +3253,7 @@
             </a:lvl1pPr>
           </a:lstStyle>
           <a:p>
-            <a:fld id="{87A45035-4ED5-4C49-BA78-F07C992EB6BC}" type="datetimeFigureOut">
+            <a:fld id="{37D3F89A-FA85-B34B-98D9-D80E45DCEF5E}" type="datetime1">
               <a:rPr lang="en-US" smtClean="0"/>
               <a:t>6/15/18</a:t>
             </a:fld>
@@ -2837,6 +3360,7 @@
     <p:sldLayoutId id="2147483658" r:id="rId10"/>
     <p:sldLayoutId id="2147483659" r:id="rId11"/>
   </p:sldLayoutIdLst>
+  <p:hf hdr="0" ftr="0" dt="0"/>
   <p:txStyles>
     <p:titleStyle>
       <a:lvl1pPr algn="ctr" defTabSz="914400" rtl="0" eaLnBrk="1" latinLnBrk="0" hangingPunct="1">
@@ -3178,7 +3702,137 @@
               <a:rPr lang="en-US" dirty="0"/>
               <a:t>SER 2018</a:t>
             </a:r>
-            <a:endParaRPr lang="en-US" dirty="0"/>
+          </a:p>
+        </p:txBody>
+      </p:sp>
+      <p:pic>
+        <p:nvPicPr>
+          <p:cNvPr id="4" name="Picture 2"/>
+          <p:cNvPicPr>
+            <a:picLocks noChangeAspect="1" noChangeArrowheads="1"/>
+          </p:cNvPicPr>
+          <p:nvPr/>
+        </p:nvPicPr>
+        <p:blipFill>
+          <a:blip r:embed="rId2">
+            <a:extLst>
+              <a:ext uri="{28A0092B-C50C-407E-A947-70E740481C1C}">
+                <a14:useLocalDpi xmlns:a14="http://schemas.microsoft.com/office/drawing/2010/main" val="0"/>
+              </a:ext>
+            </a:extLst>
+          </a:blip>
+          <a:srcRect/>
+          <a:stretch>
+            <a:fillRect/>
+          </a:stretch>
+        </p:blipFill>
+        <p:spPr bwMode="auto">
+          <a:xfrm>
+            <a:off x="685800" y="381000"/>
+            <a:ext cx="2066925" cy="752475"/>
+          </a:xfrm>
+          <a:prstGeom prst="rect">
+            <a:avLst/>
+          </a:prstGeom>
+          <a:noFill/>
+          <a:ln>
+            <a:noFill/>
+          </a:ln>
+          <a:extLst>
+            <a:ext uri="{909E8E84-426E-40dd-AFC4-6F175D3DCCD1}">
+              <a14:hiddenFill xmlns:a14="http://schemas.microsoft.com/office/drawing/2010/main">
+                <a:solidFill>
+                  <a:schemeClr val="accent1"/>
+                </a:solidFill>
+              </a14:hiddenFill>
+            </a:ext>
+            <a:ext uri="{91240B29-F687-4f45-9708-019B960494DF}">
+              <a14:hiddenLine xmlns:a14="http://schemas.microsoft.com/office/drawing/2010/main" w="9525">
+                <a:solidFill>
+                  <a:schemeClr val="tx1"/>
+                </a:solidFill>
+                <a:miter lim="800000"/>
+                <a:headEnd/>
+                <a:tailEnd/>
+              </a14:hiddenLine>
+            </a:ext>
+          </a:extLst>
+        </p:spPr>
+      </p:pic>
+      <p:pic>
+        <p:nvPicPr>
+          <p:cNvPr id="5" name="Picture 5"/>
+          <p:cNvPicPr>
+            <a:picLocks noChangeAspect="1" noChangeArrowheads="1"/>
+          </p:cNvPicPr>
+          <p:nvPr/>
+        </p:nvPicPr>
+        <p:blipFill>
+          <a:blip r:embed="rId3">
+            <a:extLst>
+              <a:ext uri="{28A0092B-C50C-407E-A947-70E740481C1C}">
+                <a14:useLocalDpi xmlns:a14="http://schemas.microsoft.com/office/drawing/2010/main" val="0"/>
+              </a:ext>
+            </a:extLst>
+          </a:blip>
+          <a:srcRect/>
+          <a:stretch>
+            <a:fillRect/>
+          </a:stretch>
+        </p:blipFill>
+        <p:spPr bwMode="auto">
+          <a:xfrm>
+            <a:off x="6096000" y="228599"/>
+            <a:ext cx="2781300" cy="1057275"/>
+          </a:xfrm>
+          <a:prstGeom prst="rect">
+            <a:avLst/>
+          </a:prstGeom>
+          <a:noFill/>
+          <a:ln>
+            <a:noFill/>
+          </a:ln>
+          <a:extLst>
+            <a:ext uri="{909E8E84-426E-40dd-AFC4-6F175D3DCCD1}">
+              <a14:hiddenFill xmlns:a14="http://schemas.microsoft.com/office/drawing/2010/main">
+                <a:solidFill>
+                  <a:schemeClr val="accent1"/>
+                </a:solidFill>
+              </a14:hiddenFill>
+            </a:ext>
+            <a:ext uri="{91240B29-F687-4f45-9708-019B960494DF}">
+              <a14:hiddenLine xmlns:a14="http://schemas.microsoft.com/office/drawing/2010/main" w="9525">
+                <a:solidFill>
+                  <a:schemeClr val="tx1"/>
+                </a:solidFill>
+                <a:miter lim="800000"/>
+                <a:headEnd/>
+                <a:tailEnd/>
+              </a14:hiddenLine>
+            </a:ext>
+          </a:extLst>
+        </p:spPr>
+      </p:pic>
+      <p:sp>
+        <p:nvSpPr>
+          <p:cNvPr id="6" name="Slide Number Placeholder 5"/>
+          <p:cNvSpPr>
+            <a:spLocks noGrp="1"/>
+          </p:cNvSpPr>
+          <p:nvPr>
+            <p:ph type="sldNum" sz="quarter" idx="12"/>
+          </p:nvPr>
+        </p:nvSpPr>
+        <p:spPr/>
+        <p:txBody>
+          <a:bodyPr/>
+          <a:lstStyle/>
+          <a:p>
+            <a:fld id="{91B8D6FD-5CD9-43D1-997C-EB6778D4E106}" type="slidenum">
+              <a:rPr lang="en-US" smtClean="0"/>
+              <a:t>1</a:t>
+            </a:fld>
+            <a:endParaRPr lang="en-US"/>
           </a:p>
         </p:txBody>
       </p:sp>
@@ -3464,6 +4118,29 @@
           </a:p>
         </p:txBody>
       </p:sp>
+      <p:sp>
+        <p:nvSpPr>
+          <p:cNvPr id="4" name="Slide Number Placeholder 3"/>
+          <p:cNvSpPr>
+            <a:spLocks noGrp="1"/>
+          </p:cNvSpPr>
+          <p:nvPr>
+            <p:ph type="sldNum" sz="quarter" idx="12"/>
+          </p:nvPr>
+        </p:nvSpPr>
+        <p:spPr/>
+        <p:txBody>
+          <a:bodyPr/>
+          <a:lstStyle/>
+          <a:p>
+            <a:fld id="{91B8D6FD-5CD9-43D1-997C-EB6778D4E106}" type="slidenum">
+              <a:rPr lang="en-US" smtClean="0"/>
+              <a:t>10</a:t>
+            </a:fld>
+            <a:endParaRPr lang="en-US"/>
+          </a:p>
+        </p:txBody>
+      </p:sp>
     </p:spTree>
     <p:extLst>
       <p:ext uri="{BB962C8B-B14F-4D97-AF65-F5344CB8AC3E}">
@@ -3581,6 +4258,29 @@
           </a:p>
         </p:txBody>
       </p:sp>
+      <p:sp>
+        <p:nvSpPr>
+          <p:cNvPr id="4" name="Slide Number Placeholder 3"/>
+          <p:cNvSpPr>
+            <a:spLocks noGrp="1"/>
+          </p:cNvSpPr>
+          <p:nvPr>
+            <p:ph type="sldNum" sz="quarter" idx="12"/>
+          </p:nvPr>
+        </p:nvSpPr>
+        <p:spPr/>
+        <p:txBody>
+          <a:bodyPr/>
+          <a:lstStyle/>
+          <a:p>
+            <a:fld id="{91B8D6FD-5CD9-43D1-997C-EB6778D4E106}" type="slidenum">
+              <a:rPr lang="en-US" smtClean="0"/>
+              <a:t>11</a:t>
+            </a:fld>
+            <a:endParaRPr lang="en-US"/>
+          </a:p>
+        </p:txBody>
+      </p:sp>
     </p:spTree>
     <p:extLst>
       <p:ext uri="{BB962C8B-B14F-4D97-AF65-F5344CB8AC3E}">
@@ -3803,6 +4503,29 @@
           </a:p>
         </p:txBody>
       </p:sp>
+      <p:sp>
+        <p:nvSpPr>
+          <p:cNvPr id="4" name="Slide Number Placeholder 3"/>
+          <p:cNvSpPr>
+            <a:spLocks noGrp="1"/>
+          </p:cNvSpPr>
+          <p:nvPr>
+            <p:ph type="sldNum" sz="quarter" idx="12"/>
+          </p:nvPr>
+        </p:nvSpPr>
+        <p:spPr/>
+        <p:txBody>
+          <a:bodyPr/>
+          <a:lstStyle/>
+          <a:p>
+            <a:fld id="{91B8D6FD-5CD9-43D1-997C-EB6778D4E106}" type="slidenum">
+              <a:rPr lang="en-US" smtClean="0"/>
+              <a:t>12</a:t>
+            </a:fld>
+            <a:endParaRPr lang="en-US"/>
+          </a:p>
+        </p:txBody>
+      </p:sp>
     </p:spTree>
     <p:extLst>
       <p:ext uri="{BB962C8B-B14F-4D97-AF65-F5344CB8AC3E}">
@@ -3911,6 +4634,29 @@
               <a:t>Also: https://github.com/hadley/dplyr</a:t>
             </a:r>
             <a:endParaRPr lang="en-US" dirty="0"/>
+          </a:p>
+        </p:txBody>
+      </p:sp>
+      <p:sp>
+        <p:nvSpPr>
+          <p:cNvPr id="4" name="Slide Number Placeholder 3"/>
+          <p:cNvSpPr>
+            <a:spLocks noGrp="1"/>
+          </p:cNvSpPr>
+          <p:nvPr>
+            <p:ph type="sldNum" sz="quarter" idx="12"/>
+          </p:nvPr>
+        </p:nvSpPr>
+        <p:spPr/>
+        <p:txBody>
+          <a:bodyPr/>
+          <a:lstStyle/>
+          <a:p>
+            <a:fld id="{91B8D6FD-5CD9-43D1-997C-EB6778D4E106}" type="slidenum">
+              <a:rPr lang="en-US" smtClean="0"/>
+              <a:t>13</a:t>
+            </a:fld>
+            <a:endParaRPr lang="en-US"/>
           </a:p>
         </p:txBody>
       </p:sp>
@@ -4109,9 +4855,36 @@
           <a:p>
             <a:r>
               <a:rPr lang="en-US" sz="2800" dirty="0" smtClean="0"/>
-              <a:t>Initially released in 2014 (?) -- very new</a:t>
+              <a:t>Initially released in 2014 (?) </a:t>
+            </a:r>
+            <a:r>
+              <a:rPr lang="en-US" sz="2800" dirty="0" smtClean="0"/>
+              <a:t>– still pretty new</a:t>
             </a:r>
             <a:endParaRPr lang="en-US" sz="2800" dirty="0"/>
+          </a:p>
+        </p:txBody>
+      </p:sp>
+      <p:sp>
+        <p:nvSpPr>
+          <p:cNvPr id="3" name="Slide Number Placeholder 2"/>
+          <p:cNvSpPr>
+            <a:spLocks noGrp="1"/>
+          </p:cNvSpPr>
+          <p:nvPr>
+            <p:ph type="sldNum" sz="quarter" idx="12"/>
+          </p:nvPr>
+        </p:nvSpPr>
+        <p:spPr/>
+        <p:txBody>
+          <a:bodyPr/>
+          <a:lstStyle/>
+          <a:p>
+            <a:fld id="{91B8D6FD-5CD9-43D1-997C-EB6778D4E106}" type="slidenum">
+              <a:rPr lang="en-US" smtClean="0"/>
+              <a:t>2</a:t>
+            </a:fld>
+            <a:endParaRPr lang="en-US"/>
           </a:p>
         </p:txBody>
       </p:sp>
@@ -4231,6 +5004,29 @@
           </a:extLst>
         </p:spPr>
       </p:pic>
+      <p:sp>
+        <p:nvSpPr>
+          <p:cNvPr id="3" name="Slide Number Placeholder 2"/>
+          <p:cNvSpPr>
+            <a:spLocks noGrp="1"/>
+          </p:cNvSpPr>
+          <p:nvPr>
+            <p:ph type="sldNum" sz="quarter" idx="12"/>
+          </p:nvPr>
+        </p:nvSpPr>
+        <p:spPr/>
+        <p:txBody>
+          <a:bodyPr/>
+          <a:lstStyle/>
+          <a:p>
+            <a:fld id="{91B8D6FD-5CD9-43D1-997C-EB6778D4E106}" type="slidenum">
+              <a:rPr lang="en-US" smtClean="0"/>
+              <a:t>3</a:t>
+            </a:fld>
+            <a:endParaRPr lang="en-US"/>
+          </a:p>
+        </p:txBody>
+      </p:sp>
     </p:spTree>
     <p:extLst>
       <p:ext uri="{BB962C8B-B14F-4D97-AF65-F5344CB8AC3E}">
@@ -4418,7 +5214,7 @@
               <a:rPr lang="en-US" dirty="0" smtClean="0"/>
               <a:t>Equivalent to:</a:t>
             </a:r>
-            <a:endParaRPr lang="en-US" sz="1400" dirty="0">
+            <a:endParaRPr lang="en-US" sz="1400" dirty="0" smtClean="0">
               <a:latin typeface="Courier New" panose="02070309020205020404" pitchFamily="49" charset="0"/>
               <a:cs typeface="Courier New" panose="02070309020205020404" pitchFamily="49" charset="0"/>
             </a:endParaRPr>
@@ -4478,6 +5274,33 @@
               </a:rPr>
               <a:t> == 1,])</a:t>
             </a:r>
+            <a:endParaRPr lang="en-US" sz="1400" dirty="0" smtClean="0">
+              <a:latin typeface="Courier New" panose="02070309020205020404" pitchFamily="49" charset="0"/>
+              <a:cs typeface="Courier New" panose="02070309020205020404" pitchFamily="49" charset="0"/>
+            </a:endParaRPr>
+          </a:p>
+        </p:txBody>
+      </p:sp>
+      <p:sp>
+        <p:nvSpPr>
+          <p:cNvPr id="4" name="Slide Number Placeholder 3"/>
+          <p:cNvSpPr>
+            <a:spLocks noGrp="1"/>
+          </p:cNvSpPr>
+          <p:nvPr>
+            <p:ph type="sldNum" sz="quarter" idx="12"/>
+          </p:nvPr>
+        </p:nvSpPr>
+        <p:spPr/>
+        <p:txBody>
+          <a:bodyPr/>
+          <a:lstStyle/>
+          <a:p>
+            <a:fld id="{91B8D6FD-5CD9-43D1-997C-EB6778D4E106}" type="slidenum">
+              <a:rPr lang="en-US" smtClean="0"/>
+              <a:t>4</a:t>
+            </a:fld>
+            <a:endParaRPr lang="en-US"/>
           </a:p>
         </p:txBody>
       </p:sp>
@@ -4623,6 +5446,29 @@
           </a:p>
         </p:txBody>
       </p:sp>
+      <p:sp>
+        <p:nvSpPr>
+          <p:cNvPr id="4" name="Slide Number Placeholder 3"/>
+          <p:cNvSpPr>
+            <a:spLocks noGrp="1"/>
+          </p:cNvSpPr>
+          <p:nvPr>
+            <p:ph type="sldNum" sz="quarter" idx="12"/>
+          </p:nvPr>
+        </p:nvSpPr>
+        <p:spPr/>
+        <p:txBody>
+          <a:bodyPr/>
+          <a:lstStyle/>
+          <a:p>
+            <a:fld id="{91B8D6FD-5CD9-43D1-997C-EB6778D4E106}" type="slidenum">
+              <a:rPr lang="en-US" smtClean="0"/>
+              <a:t>5</a:t>
+            </a:fld>
+            <a:endParaRPr lang="en-US"/>
+          </a:p>
+        </p:txBody>
+      </p:sp>
     </p:spTree>
     <p:extLst>
       <p:ext uri="{BB962C8B-B14F-4D97-AF65-F5344CB8AC3E}">
@@ -4853,6 +5699,29 @@
           </a:p>
         </p:txBody>
       </p:sp>
+      <p:sp>
+        <p:nvSpPr>
+          <p:cNvPr id="4" name="Slide Number Placeholder 3"/>
+          <p:cNvSpPr>
+            <a:spLocks noGrp="1"/>
+          </p:cNvSpPr>
+          <p:nvPr>
+            <p:ph type="sldNum" sz="quarter" idx="12"/>
+          </p:nvPr>
+        </p:nvSpPr>
+        <p:spPr/>
+        <p:txBody>
+          <a:bodyPr/>
+          <a:lstStyle/>
+          <a:p>
+            <a:fld id="{91B8D6FD-5CD9-43D1-997C-EB6778D4E106}" type="slidenum">
+              <a:rPr lang="en-US" smtClean="0"/>
+              <a:t>6</a:t>
+            </a:fld>
+            <a:endParaRPr lang="en-US"/>
+          </a:p>
+        </p:txBody>
+      </p:sp>
     </p:spTree>
     <p:extLst>
       <p:ext uri="{BB962C8B-B14F-4D97-AF65-F5344CB8AC3E}">
@@ -4974,6 +5843,29 @@
               <a:t>Pipes fit very nicely with accessing and cleaning data from databases, which brings us to…</a:t>
             </a:r>
             <a:endParaRPr lang="en-US" dirty="0"/>
+          </a:p>
+        </p:txBody>
+      </p:sp>
+      <p:sp>
+        <p:nvSpPr>
+          <p:cNvPr id="4" name="Slide Number Placeholder 3"/>
+          <p:cNvSpPr>
+            <a:spLocks noGrp="1"/>
+          </p:cNvSpPr>
+          <p:nvPr>
+            <p:ph type="sldNum" sz="quarter" idx="12"/>
+          </p:nvPr>
+        </p:nvSpPr>
+        <p:spPr/>
+        <p:txBody>
+          <a:bodyPr/>
+          <a:lstStyle/>
+          <a:p>
+            <a:fld id="{91B8D6FD-5CD9-43D1-997C-EB6778D4E106}" type="slidenum">
+              <a:rPr lang="en-US" smtClean="0"/>
+              <a:t>7</a:t>
+            </a:fld>
+            <a:endParaRPr lang="en-US"/>
           </a:p>
         </p:txBody>
       </p:sp>
@@ -5138,6 +6030,29 @@
               <a:t>Image credit: drewconway.com</a:t>
             </a:r>
             <a:endParaRPr lang="en-US" dirty="0"/>
+          </a:p>
+        </p:txBody>
+      </p:sp>
+      <p:sp>
+        <p:nvSpPr>
+          <p:cNvPr id="5" name="Slide Number Placeholder 4"/>
+          <p:cNvSpPr>
+            <a:spLocks noGrp="1"/>
+          </p:cNvSpPr>
+          <p:nvPr>
+            <p:ph type="sldNum" sz="quarter" idx="12"/>
+          </p:nvPr>
+        </p:nvSpPr>
+        <p:spPr/>
+        <p:txBody>
+          <a:bodyPr/>
+          <a:lstStyle/>
+          <a:p>
+            <a:fld id="{91B8D6FD-5CD9-43D1-997C-EB6778D4E106}" type="slidenum">
+              <a:rPr lang="en-US" smtClean="0"/>
+              <a:t>8</a:t>
+            </a:fld>
+            <a:endParaRPr lang="en-US"/>
           </a:p>
         </p:txBody>
       </p:sp>
@@ -5330,6 +6245,29 @@
           <a:lstStyle/>
           <a:p>
             <a:pPr algn="ctr"/>
+            <a:endParaRPr lang="en-US"/>
+          </a:p>
+        </p:txBody>
+      </p:sp>
+      <p:sp>
+        <p:nvSpPr>
+          <p:cNvPr id="3" name="Slide Number Placeholder 2"/>
+          <p:cNvSpPr>
+            <a:spLocks noGrp="1"/>
+          </p:cNvSpPr>
+          <p:nvPr>
+            <p:ph type="sldNum" sz="quarter" idx="12"/>
+          </p:nvPr>
+        </p:nvSpPr>
+        <p:spPr/>
+        <p:txBody>
+          <a:bodyPr/>
+          <a:lstStyle/>
+          <a:p>
+            <a:fld id="{91B8D6FD-5CD9-43D1-997C-EB6778D4E106}" type="slidenum">
+              <a:rPr lang="en-US" smtClean="0"/>
+              <a:t>9</a:t>
+            </a:fld>
             <a:endParaRPr lang="en-US"/>
           </a:p>
         </p:txBody>
@@ -5634,4 +6572,644 @@
   <a:objectDefaults/>
   <a:extraClrSchemeLst/>
 </a:theme>
+</file>
+
+<file path=ppt/theme/theme2.xml><?xml version="1.0" encoding="utf-8"?>
+<a:theme xmlns:a="http://schemas.openxmlformats.org/drawingml/2006/main" name="Office Theme">
+  <a:themeElements>
+    <a:clrScheme name="Office">
+      <a:dk1>
+        <a:sysClr val="windowText" lastClr="000000"/>
+      </a:dk1>
+      <a:lt1>
+        <a:sysClr val="window" lastClr="FFFFFF"/>
+      </a:lt1>
+      <a:dk2>
+        <a:srgbClr val="1F497D"/>
+      </a:dk2>
+      <a:lt2>
+        <a:srgbClr val="EEECE1"/>
+      </a:lt2>
+      <a:accent1>
+        <a:srgbClr val="4F81BD"/>
+      </a:accent1>
+      <a:accent2>
+        <a:srgbClr val="C0504D"/>
+      </a:accent2>
+      <a:accent3>
+        <a:srgbClr val="9BBB59"/>
+      </a:accent3>
+      <a:accent4>
+        <a:srgbClr val="8064A2"/>
+      </a:accent4>
+      <a:accent5>
+        <a:srgbClr val="4BACC6"/>
+      </a:accent5>
+      <a:accent6>
+        <a:srgbClr val="F79646"/>
+      </a:accent6>
+      <a:hlink>
+        <a:srgbClr val="0000FF"/>
+      </a:hlink>
+      <a:folHlink>
+        <a:srgbClr val="800080"/>
+      </a:folHlink>
+    </a:clrScheme>
+    <a:fontScheme name="Office">
+      <a:majorFont>
+        <a:latin typeface="Calibri"/>
+        <a:ea typeface=""/>
+        <a:cs typeface=""/>
+        <a:font script="Jpan" typeface="ＭＳ Ｐゴシック"/>
+        <a:font script="Hang" typeface="맑은 고딕"/>
+        <a:font script="Hans" typeface="宋体"/>
+        <a:font script="Hant" typeface="新細明體"/>
+        <a:font script="Arab" typeface="Times New Roman"/>
+        <a:font script="Hebr" typeface="Times New Roman"/>
+        <a:font script="Thai" typeface="Angsana New"/>
+        <a:font script="Ethi" typeface="Nyala"/>
+        <a:font script="Beng" typeface="Vrinda"/>
+        <a:font script="Gujr" typeface="Shruti"/>
+        <a:font script="Khmr" typeface="MoolBoran"/>
+        <a:font script="Knda" typeface="Tunga"/>
+        <a:font script="Guru" typeface="Raavi"/>
+        <a:font script="Cans" typeface="Euphemia"/>
+        <a:font script="Cher" typeface="Plantagenet Cherokee"/>
+        <a:font script="Yiii" typeface="Microsoft Yi Baiti"/>
+        <a:font script="Tibt" typeface="Microsoft Himalaya"/>
+        <a:font script="Thaa" typeface="MV Boli"/>
+        <a:font script="Deva" typeface="Mangal"/>
+        <a:font script="Telu" typeface="Gautami"/>
+        <a:font script="Taml" typeface="Latha"/>
+        <a:font script="Syrc" typeface="Estrangelo Edessa"/>
+        <a:font script="Orya" typeface="Kalinga"/>
+        <a:font script="Mlym" typeface="Kartika"/>
+        <a:font script="Laoo" typeface="DokChampa"/>
+        <a:font script="Sinh" typeface="Iskoola Pota"/>
+        <a:font script="Mong" typeface="Mongolian Baiti"/>
+        <a:font script="Viet" typeface="Times New Roman"/>
+        <a:font script="Uigh" typeface="Microsoft Uighur"/>
+        <a:font script="Geor" typeface="Sylfaen"/>
+      </a:majorFont>
+      <a:minorFont>
+        <a:latin typeface="Calibri"/>
+        <a:ea typeface=""/>
+        <a:cs typeface=""/>
+        <a:font script="Jpan" typeface="ＭＳ Ｐゴシック"/>
+        <a:font script="Hang" typeface="맑은 고딕"/>
+        <a:font script="Hans" typeface="宋体"/>
+        <a:font script="Hant" typeface="新細明體"/>
+        <a:font script="Arab" typeface="Arial"/>
+        <a:font script="Hebr" typeface="Arial"/>
+        <a:font script="Thai" typeface="Cordia New"/>
+        <a:font script="Ethi" typeface="Nyala"/>
+        <a:font script="Beng" typeface="Vrinda"/>
+        <a:font script="Gujr" typeface="Shruti"/>
+        <a:font script="Khmr" typeface="DaunPenh"/>
+        <a:font script="Knda" typeface="Tunga"/>
+        <a:font script="Guru" typeface="Raavi"/>
+        <a:font script="Cans" typeface="Euphemia"/>
+        <a:font script="Cher" typeface="Plantagenet Cherokee"/>
+        <a:font script="Yiii" typeface="Microsoft Yi Baiti"/>
+        <a:font script="Tibt" typeface="Microsoft Himalaya"/>
+        <a:font script="Thaa" typeface="MV Boli"/>
+        <a:font script="Deva" typeface="Mangal"/>
+        <a:font script="Telu" typeface="Gautami"/>
+        <a:font script="Taml" typeface="Latha"/>
+        <a:font script="Syrc" typeface="Estrangelo Edessa"/>
+        <a:font script="Orya" typeface="Kalinga"/>
+        <a:font script="Mlym" typeface="Kartika"/>
+        <a:font script="Laoo" typeface="DokChampa"/>
+        <a:font script="Sinh" typeface="Iskoola Pota"/>
+        <a:font script="Mong" typeface="Mongolian Baiti"/>
+        <a:font script="Viet" typeface="Arial"/>
+        <a:font script="Uigh" typeface="Microsoft Uighur"/>
+        <a:font script="Geor" typeface="Sylfaen"/>
+      </a:minorFont>
+    </a:fontScheme>
+    <a:fmtScheme name="Office">
+      <a:fillStyleLst>
+        <a:solidFill>
+          <a:schemeClr val="phClr"/>
+        </a:solidFill>
+        <a:gradFill rotWithShape="1">
+          <a:gsLst>
+            <a:gs pos="0">
+              <a:schemeClr val="phClr">
+                <a:tint val="50000"/>
+                <a:satMod val="300000"/>
+              </a:schemeClr>
+            </a:gs>
+            <a:gs pos="35000">
+              <a:schemeClr val="phClr">
+                <a:tint val="37000"/>
+                <a:satMod val="300000"/>
+              </a:schemeClr>
+            </a:gs>
+            <a:gs pos="100000">
+              <a:schemeClr val="phClr">
+                <a:tint val="15000"/>
+                <a:satMod val="350000"/>
+              </a:schemeClr>
+            </a:gs>
+          </a:gsLst>
+          <a:lin ang="16200000" scaled="1"/>
+        </a:gradFill>
+        <a:gradFill rotWithShape="1">
+          <a:gsLst>
+            <a:gs pos="0">
+              <a:schemeClr val="phClr">
+                <a:tint val="100000"/>
+                <a:shade val="100000"/>
+                <a:satMod val="130000"/>
+              </a:schemeClr>
+            </a:gs>
+            <a:gs pos="100000">
+              <a:schemeClr val="phClr">
+                <a:tint val="50000"/>
+                <a:shade val="100000"/>
+                <a:satMod val="350000"/>
+              </a:schemeClr>
+            </a:gs>
+          </a:gsLst>
+          <a:lin ang="16200000" scaled="0"/>
+        </a:gradFill>
+      </a:fillStyleLst>
+      <a:lnStyleLst>
+        <a:ln w="9525" cap="flat" cmpd="sng" algn="ctr">
+          <a:solidFill>
+            <a:schemeClr val="phClr">
+              <a:shade val="95000"/>
+              <a:satMod val="105000"/>
+            </a:schemeClr>
+          </a:solidFill>
+          <a:prstDash val="solid"/>
+        </a:ln>
+        <a:ln w="25400" cap="flat" cmpd="sng" algn="ctr">
+          <a:solidFill>
+            <a:schemeClr val="phClr"/>
+          </a:solidFill>
+          <a:prstDash val="solid"/>
+        </a:ln>
+        <a:ln w="38100" cap="flat" cmpd="sng" algn="ctr">
+          <a:solidFill>
+            <a:schemeClr val="phClr"/>
+          </a:solidFill>
+          <a:prstDash val="solid"/>
+        </a:ln>
+      </a:lnStyleLst>
+      <a:effectStyleLst>
+        <a:effectStyle>
+          <a:effectLst>
+            <a:outerShdw blurRad="40000" dist="20000" dir="5400000" rotWithShape="0">
+              <a:srgbClr val="000000">
+                <a:alpha val="38000"/>
+              </a:srgbClr>
+            </a:outerShdw>
+          </a:effectLst>
+        </a:effectStyle>
+        <a:effectStyle>
+          <a:effectLst>
+            <a:outerShdw blurRad="40000" dist="23000" dir="5400000" rotWithShape="0">
+              <a:srgbClr val="000000">
+                <a:alpha val="35000"/>
+              </a:srgbClr>
+            </a:outerShdw>
+          </a:effectLst>
+        </a:effectStyle>
+        <a:effectStyle>
+          <a:effectLst>
+            <a:outerShdw blurRad="40000" dist="23000" dir="5400000" rotWithShape="0">
+              <a:srgbClr val="000000">
+                <a:alpha val="35000"/>
+              </a:srgbClr>
+            </a:outerShdw>
+          </a:effectLst>
+          <a:scene3d>
+            <a:camera prst="orthographicFront">
+              <a:rot lat="0" lon="0" rev="0"/>
+            </a:camera>
+            <a:lightRig rig="threePt" dir="t">
+              <a:rot lat="0" lon="0" rev="1200000"/>
+            </a:lightRig>
+          </a:scene3d>
+          <a:sp3d>
+            <a:bevelT w="63500" h="25400"/>
+          </a:sp3d>
+        </a:effectStyle>
+      </a:effectStyleLst>
+      <a:bgFillStyleLst>
+        <a:solidFill>
+          <a:schemeClr val="phClr"/>
+        </a:solidFill>
+        <a:gradFill rotWithShape="1">
+          <a:gsLst>
+            <a:gs pos="0">
+              <a:schemeClr val="phClr">
+                <a:tint val="40000"/>
+                <a:satMod val="350000"/>
+              </a:schemeClr>
+            </a:gs>
+            <a:gs pos="40000">
+              <a:schemeClr val="phClr">
+                <a:tint val="45000"/>
+                <a:shade val="99000"/>
+                <a:satMod val="350000"/>
+              </a:schemeClr>
+            </a:gs>
+            <a:gs pos="100000">
+              <a:schemeClr val="phClr">
+                <a:shade val="20000"/>
+                <a:satMod val="255000"/>
+              </a:schemeClr>
+            </a:gs>
+          </a:gsLst>
+          <a:path path="circle">
+            <a:fillToRect l="50000" t="-80000" r="50000" b="180000"/>
+          </a:path>
+        </a:gradFill>
+        <a:gradFill rotWithShape="1">
+          <a:gsLst>
+            <a:gs pos="0">
+              <a:schemeClr val="phClr">
+                <a:tint val="80000"/>
+                <a:satMod val="300000"/>
+              </a:schemeClr>
+            </a:gs>
+            <a:gs pos="100000">
+              <a:schemeClr val="phClr">
+                <a:shade val="30000"/>
+                <a:satMod val="200000"/>
+              </a:schemeClr>
+            </a:gs>
+          </a:gsLst>
+          <a:path path="circle">
+            <a:fillToRect l="50000" t="50000" r="50000" b="50000"/>
+          </a:path>
+        </a:gradFill>
+      </a:bgFillStyleLst>
+    </a:fmtScheme>
+  </a:themeElements>
+  <a:objectDefaults>
+    <a:spDef>
+      <a:spPr/>
+      <a:bodyPr/>
+      <a:lstStyle/>
+      <a:style>
+        <a:lnRef idx="1">
+          <a:schemeClr val="accent1"/>
+        </a:lnRef>
+        <a:fillRef idx="3">
+          <a:schemeClr val="accent1"/>
+        </a:fillRef>
+        <a:effectRef idx="2">
+          <a:schemeClr val="accent1"/>
+        </a:effectRef>
+        <a:fontRef idx="minor">
+          <a:schemeClr val="lt1"/>
+        </a:fontRef>
+      </a:style>
+    </a:spDef>
+    <a:lnDef>
+      <a:spPr/>
+      <a:bodyPr/>
+      <a:lstStyle/>
+      <a:style>
+        <a:lnRef idx="2">
+          <a:schemeClr val="accent1"/>
+        </a:lnRef>
+        <a:fillRef idx="0">
+          <a:schemeClr val="accent1"/>
+        </a:fillRef>
+        <a:effectRef idx="1">
+          <a:schemeClr val="accent1"/>
+        </a:effectRef>
+        <a:fontRef idx="minor">
+          <a:schemeClr val="tx1"/>
+        </a:fontRef>
+      </a:style>
+    </a:lnDef>
+  </a:objectDefaults>
+  <a:extraClrSchemeLst/>
+</a:theme>
+</file>
+
+<file path=ppt/theme/theme3.xml><?xml version="1.0" encoding="utf-8"?>
+<a:theme xmlns:a="http://schemas.openxmlformats.org/drawingml/2006/main" name="Office Theme">
+  <a:themeElements>
+    <a:clrScheme name="Office">
+      <a:dk1>
+        <a:sysClr val="windowText" lastClr="000000"/>
+      </a:dk1>
+      <a:lt1>
+        <a:sysClr val="window" lastClr="FFFFFF"/>
+      </a:lt1>
+      <a:dk2>
+        <a:srgbClr val="1F497D"/>
+      </a:dk2>
+      <a:lt2>
+        <a:srgbClr val="EEECE1"/>
+      </a:lt2>
+      <a:accent1>
+        <a:srgbClr val="4F81BD"/>
+      </a:accent1>
+      <a:accent2>
+        <a:srgbClr val="C0504D"/>
+      </a:accent2>
+      <a:accent3>
+        <a:srgbClr val="9BBB59"/>
+      </a:accent3>
+      <a:accent4>
+        <a:srgbClr val="8064A2"/>
+      </a:accent4>
+      <a:accent5>
+        <a:srgbClr val="4BACC6"/>
+      </a:accent5>
+      <a:accent6>
+        <a:srgbClr val="F79646"/>
+      </a:accent6>
+      <a:hlink>
+        <a:srgbClr val="0000FF"/>
+      </a:hlink>
+      <a:folHlink>
+        <a:srgbClr val="800080"/>
+      </a:folHlink>
+    </a:clrScheme>
+    <a:fontScheme name="Office">
+      <a:majorFont>
+        <a:latin typeface="Calibri"/>
+        <a:ea typeface=""/>
+        <a:cs typeface=""/>
+        <a:font script="Jpan" typeface="ＭＳ Ｐゴシック"/>
+        <a:font script="Hang" typeface="맑은 고딕"/>
+        <a:font script="Hans" typeface="宋体"/>
+        <a:font script="Hant" typeface="新細明體"/>
+        <a:font script="Arab" typeface="Times New Roman"/>
+        <a:font script="Hebr" typeface="Times New Roman"/>
+        <a:font script="Thai" typeface="Angsana New"/>
+        <a:font script="Ethi" typeface="Nyala"/>
+        <a:font script="Beng" typeface="Vrinda"/>
+        <a:font script="Gujr" typeface="Shruti"/>
+        <a:font script="Khmr" typeface="MoolBoran"/>
+        <a:font script="Knda" typeface="Tunga"/>
+        <a:font script="Guru" typeface="Raavi"/>
+        <a:font script="Cans" typeface="Euphemia"/>
+        <a:font script="Cher" typeface="Plantagenet Cherokee"/>
+        <a:font script="Yiii" typeface="Microsoft Yi Baiti"/>
+        <a:font script="Tibt" typeface="Microsoft Himalaya"/>
+        <a:font script="Thaa" typeface="MV Boli"/>
+        <a:font script="Deva" typeface="Mangal"/>
+        <a:font script="Telu" typeface="Gautami"/>
+        <a:font script="Taml" typeface="Latha"/>
+        <a:font script="Syrc" typeface="Estrangelo Edessa"/>
+        <a:font script="Orya" typeface="Kalinga"/>
+        <a:font script="Mlym" typeface="Kartika"/>
+        <a:font script="Laoo" typeface="DokChampa"/>
+        <a:font script="Sinh" typeface="Iskoola Pota"/>
+        <a:font script="Mong" typeface="Mongolian Baiti"/>
+        <a:font script="Viet" typeface="Times New Roman"/>
+        <a:font script="Uigh" typeface="Microsoft Uighur"/>
+        <a:font script="Geor" typeface="Sylfaen"/>
+      </a:majorFont>
+      <a:minorFont>
+        <a:latin typeface="Calibri"/>
+        <a:ea typeface=""/>
+        <a:cs typeface=""/>
+        <a:font script="Jpan" typeface="ＭＳ Ｐゴシック"/>
+        <a:font script="Hang" typeface="맑은 고딕"/>
+        <a:font script="Hans" typeface="宋体"/>
+        <a:font script="Hant" typeface="新細明體"/>
+        <a:font script="Arab" typeface="Arial"/>
+        <a:font script="Hebr" typeface="Arial"/>
+        <a:font script="Thai" typeface="Cordia New"/>
+        <a:font script="Ethi" typeface="Nyala"/>
+        <a:font script="Beng" typeface="Vrinda"/>
+        <a:font script="Gujr" typeface="Shruti"/>
+        <a:font script="Khmr" typeface="DaunPenh"/>
+        <a:font script="Knda" typeface="Tunga"/>
+        <a:font script="Guru" typeface="Raavi"/>
+        <a:font script="Cans" typeface="Euphemia"/>
+        <a:font script="Cher" typeface="Plantagenet Cherokee"/>
+        <a:font script="Yiii" typeface="Microsoft Yi Baiti"/>
+        <a:font script="Tibt" typeface="Microsoft Himalaya"/>
+        <a:font script="Thaa" typeface="MV Boli"/>
+        <a:font script="Deva" typeface="Mangal"/>
+        <a:font script="Telu" typeface="Gautami"/>
+        <a:font script="Taml" typeface="Latha"/>
+        <a:font script="Syrc" typeface="Estrangelo Edessa"/>
+        <a:font script="Orya" typeface="Kalinga"/>
+        <a:font script="Mlym" typeface="Kartika"/>
+        <a:font script="Laoo" typeface="DokChampa"/>
+        <a:font script="Sinh" typeface="Iskoola Pota"/>
+        <a:font script="Mong" typeface="Mongolian Baiti"/>
+        <a:font script="Viet" typeface="Arial"/>
+        <a:font script="Uigh" typeface="Microsoft Uighur"/>
+        <a:font script="Geor" typeface="Sylfaen"/>
+      </a:minorFont>
+    </a:fontScheme>
+    <a:fmtScheme name="Office">
+      <a:fillStyleLst>
+        <a:solidFill>
+          <a:schemeClr val="phClr"/>
+        </a:solidFill>
+        <a:gradFill rotWithShape="1">
+          <a:gsLst>
+            <a:gs pos="0">
+              <a:schemeClr val="phClr">
+                <a:tint val="50000"/>
+                <a:satMod val="300000"/>
+              </a:schemeClr>
+            </a:gs>
+            <a:gs pos="35000">
+              <a:schemeClr val="phClr">
+                <a:tint val="37000"/>
+                <a:satMod val="300000"/>
+              </a:schemeClr>
+            </a:gs>
+            <a:gs pos="100000">
+              <a:schemeClr val="phClr">
+                <a:tint val="15000"/>
+                <a:satMod val="350000"/>
+              </a:schemeClr>
+            </a:gs>
+          </a:gsLst>
+          <a:lin ang="16200000" scaled="1"/>
+        </a:gradFill>
+        <a:gradFill rotWithShape="1">
+          <a:gsLst>
+            <a:gs pos="0">
+              <a:schemeClr val="phClr">
+                <a:tint val="100000"/>
+                <a:shade val="100000"/>
+                <a:satMod val="130000"/>
+              </a:schemeClr>
+            </a:gs>
+            <a:gs pos="100000">
+              <a:schemeClr val="phClr">
+                <a:tint val="50000"/>
+                <a:shade val="100000"/>
+                <a:satMod val="350000"/>
+              </a:schemeClr>
+            </a:gs>
+          </a:gsLst>
+          <a:lin ang="16200000" scaled="0"/>
+        </a:gradFill>
+      </a:fillStyleLst>
+      <a:lnStyleLst>
+        <a:ln w="9525" cap="flat" cmpd="sng" algn="ctr">
+          <a:solidFill>
+            <a:schemeClr val="phClr">
+              <a:shade val="95000"/>
+              <a:satMod val="105000"/>
+            </a:schemeClr>
+          </a:solidFill>
+          <a:prstDash val="solid"/>
+        </a:ln>
+        <a:ln w="25400" cap="flat" cmpd="sng" algn="ctr">
+          <a:solidFill>
+            <a:schemeClr val="phClr"/>
+          </a:solidFill>
+          <a:prstDash val="solid"/>
+        </a:ln>
+        <a:ln w="38100" cap="flat" cmpd="sng" algn="ctr">
+          <a:solidFill>
+            <a:schemeClr val="phClr"/>
+          </a:solidFill>
+          <a:prstDash val="solid"/>
+        </a:ln>
+      </a:lnStyleLst>
+      <a:effectStyleLst>
+        <a:effectStyle>
+          <a:effectLst>
+            <a:outerShdw blurRad="40000" dist="20000" dir="5400000" rotWithShape="0">
+              <a:srgbClr val="000000">
+                <a:alpha val="38000"/>
+              </a:srgbClr>
+            </a:outerShdw>
+          </a:effectLst>
+        </a:effectStyle>
+        <a:effectStyle>
+          <a:effectLst>
+            <a:outerShdw blurRad="40000" dist="23000" dir="5400000" rotWithShape="0">
+              <a:srgbClr val="000000">
+                <a:alpha val="35000"/>
+              </a:srgbClr>
+            </a:outerShdw>
+          </a:effectLst>
+        </a:effectStyle>
+        <a:effectStyle>
+          <a:effectLst>
+            <a:outerShdw blurRad="40000" dist="23000" dir="5400000" rotWithShape="0">
+              <a:srgbClr val="000000">
+                <a:alpha val="35000"/>
+              </a:srgbClr>
+            </a:outerShdw>
+          </a:effectLst>
+          <a:scene3d>
+            <a:camera prst="orthographicFront">
+              <a:rot lat="0" lon="0" rev="0"/>
+            </a:camera>
+            <a:lightRig rig="threePt" dir="t">
+              <a:rot lat="0" lon="0" rev="1200000"/>
+            </a:lightRig>
+          </a:scene3d>
+          <a:sp3d>
+            <a:bevelT w="63500" h="25400"/>
+          </a:sp3d>
+        </a:effectStyle>
+      </a:effectStyleLst>
+      <a:bgFillStyleLst>
+        <a:solidFill>
+          <a:schemeClr val="phClr"/>
+        </a:solidFill>
+        <a:gradFill rotWithShape="1">
+          <a:gsLst>
+            <a:gs pos="0">
+              <a:schemeClr val="phClr">
+                <a:tint val="40000"/>
+                <a:satMod val="350000"/>
+              </a:schemeClr>
+            </a:gs>
+            <a:gs pos="40000">
+              <a:schemeClr val="phClr">
+                <a:tint val="45000"/>
+                <a:shade val="99000"/>
+                <a:satMod val="350000"/>
+              </a:schemeClr>
+            </a:gs>
+            <a:gs pos="100000">
+              <a:schemeClr val="phClr">
+                <a:shade val="20000"/>
+                <a:satMod val="255000"/>
+              </a:schemeClr>
+            </a:gs>
+          </a:gsLst>
+          <a:path path="circle">
+            <a:fillToRect l="50000" t="-80000" r="50000" b="180000"/>
+          </a:path>
+        </a:gradFill>
+        <a:gradFill rotWithShape="1">
+          <a:gsLst>
+            <a:gs pos="0">
+              <a:schemeClr val="phClr">
+                <a:tint val="80000"/>
+                <a:satMod val="300000"/>
+              </a:schemeClr>
+            </a:gs>
+            <a:gs pos="100000">
+              <a:schemeClr val="phClr">
+                <a:shade val="30000"/>
+                <a:satMod val="200000"/>
+              </a:schemeClr>
+            </a:gs>
+          </a:gsLst>
+          <a:path path="circle">
+            <a:fillToRect l="50000" t="50000" r="50000" b="50000"/>
+          </a:path>
+        </a:gradFill>
+      </a:bgFillStyleLst>
+    </a:fmtScheme>
+  </a:themeElements>
+  <a:objectDefaults>
+    <a:spDef>
+      <a:spPr/>
+      <a:bodyPr/>
+      <a:lstStyle/>
+      <a:style>
+        <a:lnRef idx="1">
+          <a:schemeClr val="accent1"/>
+        </a:lnRef>
+        <a:fillRef idx="3">
+          <a:schemeClr val="accent1"/>
+        </a:fillRef>
+        <a:effectRef idx="2">
+          <a:schemeClr val="accent1"/>
+        </a:effectRef>
+        <a:fontRef idx="minor">
+          <a:schemeClr val="lt1"/>
+        </a:fontRef>
+      </a:style>
+    </a:spDef>
+    <a:lnDef>
+      <a:spPr/>
+      <a:bodyPr/>
+      <a:lstStyle/>
+      <a:style>
+        <a:lnRef idx="2">
+          <a:schemeClr val="accent1"/>
+        </a:lnRef>
+        <a:fillRef idx="0">
+          <a:schemeClr val="accent1"/>
+        </a:fillRef>
+        <a:effectRef idx="1">
+          <a:schemeClr val="accent1"/>
+        </a:effectRef>
+        <a:fontRef idx="minor">
+          <a:schemeClr val="tx1"/>
+        </a:fontRef>
+      </a:style>
+    </a:lnDef>
+  </a:objectDefaults>
+  <a:extraClrSchemeLst/>
+</a:theme>
 </file>